--- a/Módulo II/estadistica descriptiva y probabilidad/poblacion-y-muestra.pptx
+++ b/Módulo II/estadistica descriptiva y probabilidad/poblacion-y-muestra.pptx
@@ -20,6 +20,10 @@
     <p:sldId id="268" r:id="rId14"/>
     <p:sldId id="269" r:id="rId15"/>
     <p:sldId id="270" r:id="rId16"/>
+    <p:sldId id="271" r:id="rId17"/>
+    <p:sldId id="272" r:id="rId18"/>
+    <p:sldId id="273" r:id="rId19"/>
+    <p:sldId id="274" r:id="rId20"/>
   </p:sldIdLst>
   <p:sldSz cx="9144000" cy="6858000" type="screen4x3"/>
   <p:notesSz cx="6858000" cy="9144000"/>
@@ -3989,7 +3993,7 @@
             </a:r>
             <a:r>
               <a:rPr/>
-              <a:t>interes</a:t>
+              <a:t>interés</a:t>
             </a:r>
           </a:p>
         </p:txBody>
@@ -4118,7 +4122,7 @@
                 </a:solidFill>
                 <a:latin typeface="Courier"/>
               </a:rPr>
-              <a:t>30</a:t>
+              <a:t>300</a:t>
             </a:r>
             <a:r>
               <a:rPr>
@@ -4142,9 +4146,31 @@
               <a:rPr>
                 <a:latin typeface="Courier"/>
               </a:rPr>
-              <a:t>##  [1]  4838  7620  5086 11720 17875  3139  3714 11025  6504  4777 12657  3037
-## [13] 10635 14244 14034 11849  1552 15340  8037 14975 16746 12798   790  1144
-## [25] 15387 11041  8622  2709 13171 10841</a:t>
+              <a:t>##   [1]  4838  7620  5086 11720 17875  3139  3714 11025  6504  4777 12657  3037
+##  [13] 10635 14244 14034 11849  1552 15340  8037 14975 16746 12798   790  1144
+##  [25] 15387 11041  8622  2709 13171 10841 10335  3977 16919  4331  3030   420
+##  [37] 16990 14768  9991 14721  5997 13937 10660 14206 14025  3187  3401  9537
+##  [49] 16208  5317  9786  2368 10412  6713  5367 12427 14638  9236 13975 17039
+##  [61]  4469   992 15515  7044 17345 13325  1734  3678 13397 10542  6695 12160
+##  [73] 10686 15525  7626 17622 13982   392  7123 16967  5889 12632  3925  1237
+##  [85]  8101 11389 17477  7596  8077  1227   227 13523  4421 14611 12247 17166
+##  [97]  6815 13782  5228  1811  3021  6029 11869  2233  2202  8131  2343  2628
+## [109]  5241  2726  9765  1065  8531 12195  2246  2227  7801  6824 10904 13496
+## [121] 12566  5115 17599  1257 12838  7819  9120  2105  1560   712 12460 17288
+## [133] 17744   240 10732 11220 11292  6471  2591 12127  8914 12258 16811 11249
+## [145]  8017  6876  6063 11866  7616 15995 17590  1822  9076 13723  8905  9101
+## [157]  4144 11813  7663 15303  3133  2935  3479 13566  2994 11644 11061  9725
+## [169]  9955  6752 10516 10998  9425  7083  9485 17442 15959 10159  5969  7176
+## [181] 11255  3831  2323  7589  2354 16561  5875  8645 11318  4075  5066 12890
+## [193] 13404 13220 14396  6980  5872  7543 12975 16559  1331 11648  5253 11110
+## [205] 17537 16985 16135 14049  8588    76  2631  9834  6873 11828 13932  3166
+## [217] 13874  9771   471 13571  9745  1340 12104  1114 11139  1968  6002  2776
+## [229] 13121  7736  2529 10155  2509  6550  1543 11081 10763  1834  4905 12249
+## [241] 14212  1269  8582  6746  4762  2002  4585 13827  1470  8532 11476   317
+## [253]  3550  4123 12179 12112 11597 13394  2921 10174 10868 11471  1947  7055
+## [265] 13340  8319 11401  2164  8974  8970 10856  6826   262 17838  3988  2111
+## [277] 17239  1636  7130 17328 15007 16724    53  3875  1535 13801  4447  6602
+## [289] 13611  5102  8164  5535 16183  4860  9587 15965  3317  3721  7524 12791</a:t>
             </a:r>
           </a:p>
         </p:txBody>
@@ -4408,6 +4434,838 @@
 </p:sld>
 </file>
 
+<file path=ppt/slides/slide16.xml><?xml version="1.0" encoding="utf-8"?>
+<p:sld xmlns:a="http://schemas.openxmlformats.org/drawingml/2006/main" xmlns:r="http://schemas.openxmlformats.org/officeDocument/2006/relationships" xmlns:p="http://schemas.openxmlformats.org/presentationml/2006/main">
+  <p:cSld>
+    <p:spTree>
+      <p:nvGrpSpPr>
+        <p:cNvPr id="1" name=""/>
+        <p:cNvGrpSpPr/>
+        <p:nvPr/>
+      </p:nvGrpSpPr>
+      <p:grpSpPr>
+        <a:xfrm>
+          <a:off x="0" y="0"/>
+          <a:ext cx="0" cy="0"/>
+          <a:chOff x="0" y="0"/>
+          <a:chExt cx="0" cy="0"/>
+        </a:xfrm>
+      </p:grpSpPr>
+      <p:sp>
+        <p:nvSpPr>
+          <p:cNvPr id="2" name="Title 1"/>
+          <p:cNvSpPr>
+            <a:spLocks noGrp="1"/>
+          </p:cNvSpPr>
+          <p:nvPr>
+            <p:ph type="title"/>
+          </p:nvPr>
+        </p:nvSpPr>
+        <p:spPr/>
+        <p:txBody>
+          <a:bodyPr/>
+          <a:lstStyle/>
+          <a:p>
+            <a:pPr lvl="0" marL="0" indent="0">
+              <a:buNone/>
+            </a:pPr>
+            <a:r>
+              <a:rPr/>
+              <a:t>Frecuencia</a:t>
+            </a:r>
+            <a:r>
+              <a:rPr/>
+              <a:t> </a:t>
+            </a:r>
+            <a:r>
+              <a:rPr/>
+              <a:t>de</a:t>
+            </a:r>
+            <a:r>
+              <a:rPr/>
+              <a:t> </a:t>
+            </a:r>
+            <a:r>
+              <a:rPr/>
+              <a:t>nacionalidad</a:t>
+            </a:r>
+            <a:r>
+              <a:rPr/>
+              <a:t> </a:t>
+            </a:r>
+            <a:r>
+              <a:rPr/>
+              <a:t>de</a:t>
+            </a:r>
+            <a:r>
+              <a:rPr/>
+              <a:t> </a:t>
+            </a:r>
+            <a:r>
+              <a:rPr/>
+              <a:t>población</a:t>
+            </a:r>
+          </a:p>
+        </p:txBody>
+      </p:sp>
+      <p:sp>
+        <p:nvSpPr>
+          <p:cNvPr id="3" name="Content Placeholder 2"/>
+          <p:cNvSpPr>
+            <a:spLocks noGrp="1"/>
+          </p:cNvSpPr>
+          <p:nvPr>
+            <p:ph idx="1"/>
+          </p:nvPr>
+        </p:nvSpPr>
+        <p:spPr/>
+        <p:txBody>
+          <a:bodyPr/>
+          <a:lstStyle/>
+          <a:p>
+            <a:pPr lvl="0" indent="0">
+              <a:buNone/>
+            </a:pPr>
+            <a:r>
+              <a:rPr>
+                <a:latin typeface="Courier"/>
+              </a:rPr>
+              <a:t>poblacion </a:t>
+            </a:r>
+            <a:r>
+              <a:rPr>
+                <a:solidFill>
+                  <a:srgbClr val="4070A0"/>
+                </a:solidFill>
+                <a:latin typeface="Courier"/>
+              </a:rPr>
+              <a:t>%&gt;%</a:t>
+            </a:r>
+            <a:r>
+              <a:rPr>
+                <a:latin typeface="Courier"/>
+              </a:rPr>
+              <a:t> </a:t>
+            </a:r>
+            <a:br/>
+            <a:r>
+              <a:rPr>
+                <a:latin typeface="Courier"/>
+              </a:rPr>
+              <a:t>  </a:t>
+            </a:r>
+            <a:r>
+              <a:rPr>
+                <a:solidFill>
+                  <a:srgbClr val="06287E"/>
+                </a:solidFill>
+                <a:latin typeface="Courier"/>
+              </a:rPr>
+              <a:t>group_by</a:t>
+            </a:r>
+            <a:r>
+              <a:rPr>
+                <a:latin typeface="Courier"/>
+              </a:rPr>
+              <a:t>(Nationality) </a:t>
+            </a:r>
+            <a:r>
+              <a:rPr>
+                <a:solidFill>
+                  <a:srgbClr val="4070A0"/>
+                </a:solidFill>
+                <a:latin typeface="Courier"/>
+              </a:rPr>
+              <a:t>%&gt;%</a:t>
+            </a:r>
+            <a:br/>
+            <a:r>
+              <a:rPr>
+                <a:latin typeface="Courier"/>
+              </a:rPr>
+              <a:t>  count </a:t>
+            </a:r>
+            <a:r>
+              <a:rPr>
+                <a:solidFill>
+                  <a:srgbClr val="4070A0"/>
+                </a:solidFill>
+                <a:latin typeface="Courier"/>
+              </a:rPr>
+              <a:t>%&gt;%</a:t>
+            </a:r>
+            <a:br/>
+            <a:r>
+              <a:rPr>
+                <a:latin typeface="Courier"/>
+              </a:rPr>
+              <a:t>  </a:t>
+            </a:r>
+            <a:r>
+              <a:rPr>
+                <a:solidFill>
+                  <a:srgbClr val="06287E"/>
+                </a:solidFill>
+                <a:latin typeface="Courier"/>
+              </a:rPr>
+              <a:t>filter</a:t>
+            </a:r>
+            <a:r>
+              <a:rPr>
+                <a:latin typeface="Courier"/>
+              </a:rPr>
+              <a:t>(n </a:t>
+            </a:r>
+            <a:r>
+              <a:rPr>
+                <a:solidFill>
+                  <a:srgbClr val="4070A0"/>
+                </a:solidFill>
+                <a:latin typeface="Courier"/>
+              </a:rPr>
+              <a:t>&gt;=</a:t>
+            </a:r>
+            <a:r>
+              <a:rPr>
+                <a:latin typeface="Courier"/>
+              </a:rPr>
+              <a:t> </a:t>
+            </a:r>
+            <a:r>
+              <a:rPr>
+                <a:solidFill>
+                  <a:srgbClr val="40A070"/>
+                </a:solidFill>
+                <a:latin typeface="Courier"/>
+              </a:rPr>
+              <a:t>500</a:t>
+            </a:r>
+            <a:r>
+              <a:rPr>
+                <a:latin typeface="Courier"/>
+              </a:rPr>
+              <a:t>) </a:t>
+            </a:r>
+            <a:r>
+              <a:rPr>
+                <a:solidFill>
+                  <a:srgbClr val="4070A0"/>
+                </a:solidFill>
+                <a:latin typeface="Courier"/>
+              </a:rPr>
+              <a:t>%&gt;%</a:t>
+            </a:r>
+            <a:br/>
+            <a:r>
+              <a:rPr>
+                <a:latin typeface="Courier"/>
+              </a:rPr>
+              <a:t>  </a:t>
+            </a:r>
+            <a:r>
+              <a:rPr>
+                <a:solidFill>
+                  <a:srgbClr val="06287E"/>
+                </a:solidFill>
+                <a:latin typeface="Courier"/>
+              </a:rPr>
+              <a:t>ggplot</a:t>
+            </a:r>
+            <a:r>
+              <a:rPr>
+                <a:latin typeface="Courier"/>
+              </a:rPr>
+              <a:t>(</a:t>
+            </a:r>
+            <a:r>
+              <a:rPr>
+                <a:solidFill>
+                  <a:srgbClr val="06287E"/>
+                </a:solidFill>
+                <a:latin typeface="Courier"/>
+              </a:rPr>
+              <a:t>aes</a:t>
+            </a:r>
+            <a:r>
+              <a:rPr>
+                <a:latin typeface="Courier"/>
+              </a:rPr>
+              <a:t>(</a:t>
+            </a:r>
+            <a:r>
+              <a:rPr>
+                <a:solidFill>
+                  <a:srgbClr val="7D9029"/>
+                </a:solidFill>
+                <a:latin typeface="Courier"/>
+              </a:rPr>
+              <a:t>x =</a:t>
+            </a:r>
+            <a:r>
+              <a:rPr>
+                <a:latin typeface="Courier"/>
+              </a:rPr>
+              <a:t> Nationality, </a:t>
+            </a:r>
+            <a:r>
+              <a:rPr>
+                <a:solidFill>
+                  <a:srgbClr val="7D9029"/>
+                </a:solidFill>
+                <a:latin typeface="Courier"/>
+              </a:rPr>
+              <a:t>y =</a:t>
+            </a:r>
+            <a:r>
+              <a:rPr>
+                <a:latin typeface="Courier"/>
+              </a:rPr>
+              <a:t> n)) </a:t>
+            </a:r>
+            <a:r>
+              <a:rPr>
+                <a:solidFill>
+                  <a:srgbClr val="4070A0"/>
+                </a:solidFill>
+                <a:latin typeface="Courier"/>
+              </a:rPr>
+              <a:t>+</a:t>
+            </a:r>
+            <a:r>
+              <a:rPr>
+                <a:latin typeface="Courier"/>
+              </a:rPr>
+              <a:t> </a:t>
+            </a:r>
+            <a:br/>
+            <a:r>
+              <a:rPr>
+                <a:latin typeface="Courier"/>
+              </a:rPr>
+              <a:t>  </a:t>
+            </a:r>
+            <a:r>
+              <a:rPr>
+                <a:solidFill>
+                  <a:srgbClr val="06287E"/>
+                </a:solidFill>
+                <a:latin typeface="Courier"/>
+              </a:rPr>
+              <a:t>geom_bar</a:t>
+            </a:r>
+            <a:r>
+              <a:rPr>
+                <a:latin typeface="Courier"/>
+              </a:rPr>
+              <a:t>(</a:t>
+            </a:r>
+            <a:r>
+              <a:rPr>
+                <a:solidFill>
+                  <a:srgbClr val="7D9029"/>
+                </a:solidFill>
+                <a:latin typeface="Courier"/>
+              </a:rPr>
+              <a:t>stat =</a:t>
+            </a:r>
+            <a:r>
+              <a:rPr>
+                <a:latin typeface="Courier"/>
+              </a:rPr>
+              <a:t> </a:t>
+            </a:r>
+            <a:r>
+              <a:rPr>
+                <a:solidFill>
+                  <a:srgbClr val="4070A0"/>
+                </a:solidFill>
+                <a:latin typeface="Courier"/>
+              </a:rPr>
+              <a:t>"identity"</a:t>
+            </a:r>
+            <a:r>
+              <a:rPr>
+                <a:latin typeface="Courier"/>
+              </a:rPr>
+              <a:t>)</a:t>
+            </a:r>
+          </a:p>
+        </p:txBody>
+      </p:sp>
+    </p:spTree>
+  </p:cSld>
+</p:sld>
+</file>
+
+<file path=ppt/slides/slide17.xml><?xml version="1.0" encoding="utf-8"?>
+<p:sld xmlns:a="http://schemas.openxmlformats.org/drawingml/2006/main" xmlns:r="http://schemas.openxmlformats.org/officeDocument/2006/relationships" xmlns:p="http://schemas.openxmlformats.org/presentationml/2006/main">
+  <p:cSld>
+    <p:spTree>
+      <p:nvGrpSpPr>
+        <p:cNvPr id="1" name=""/>
+        <p:cNvGrpSpPr/>
+        <p:nvPr/>
+      </p:nvGrpSpPr>
+      <p:grpSpPr>
+        <a:xfrm>
+          <a:off x="0" y="0"/>
+          <a:ext cx="0" cy="0"/>
+          <a:chOff x="0" y="0"/>
+          <a:chExt cx="0" cy="0"/>
+        </a:xfrm>
+      </p:grpSpPr>
+      <p:pic>
+        <p:nvPicPr>
+          <p:cNvPr descr="poblacion-y-muestra_files/figure-pptx/unnamed-chunk-14-1.png" id="0" name="Picture 1"/>
+          <p:cNvPicPr>
+            <a:picLocks noGrp="1" noChangeAspect="1"/>
+          </p:cNvPicPr>
+          <p:nvPr/>
+        </p:nvPicPr>
+        <p:blipFill>
+          <a:blip r:embed="rId2"/>
+          <a:stretch>
+            <a:fillRect/>
+          </a:stretch>
+        </p:blipFill>
+        <p:spPr bwMode="auto">
+          <a:xfrm>
+            <a:off x="1752600" y="1600200"/>
+            <a:ext cx="5651500" cy="4521200"/>
+          </a:xfrm>
+          <a:prstGeom prst="rect">
+            <a:avLst/>
+          </a:prstGeom>
+          <a:noFill/>
+          <a:ln w="9525">
+            <a:noFill/>
+            <a:headEnd/>
+            <a:tailEnd/>
+          </a:ln>
+        </p:spPr>
+      </p:pic>
+    </p:spTree>
+  </p:cSld>
+</p:sld>
+</file>
+
+<file path=ppt/slides/slide18.xml><?xml version="1.0" encoding="utf-8"?>
+<p:sld xmlns:a="http://schemas.openxmlformats.org/drawingml/2006/main" xmlns:r="http://schemas.openxmlformats.org/officeDocument/2006/relationships" xmlns:p="http://schemas.openxmlformats.org/presentationml/2006/main">
+  <p:cSld>
+    <p:spTree>
+      <p:nvGrpSpPr>
+        <p:cNvPr id="1" name=""/>
+        <p:cNvGrpSpPr/>
+        <p:nvPr/>
+      </p:nvGrpSpPr>
+      <p:grpSpPr>
+        <a:xfrm>
+          <a:off x="0" y="0"/>
+          <a:ext cx="0" cy="0"/>
+          <a:chOff x="0" y="0"/>
+          <a:chExt cx="0" cy="0"/>
+        </a:xfrm>
+      </p:grpSpPr>
+      <p:sp>
+        <p:nvSpPr>
+          <p:cNvPr id="2" name="Title 1"/>
+          <p:cNvSpPr>
+            <a:spLocks noGrp="1"/>
+          </p:cNvSpPr>
+          <p:nvPr>
+            <p:ph type="title"/>
+          </p:nvPr>
+        </p:nvSpPr>
+        <p:spPr/>
+        <p:txBody>
+          <a:bodyPr/>
+          <a:lstStyle/>
+          <a:p>
+            <a:pPr lvl="0" marL="0" indent="0">
+              <a:buNone/>
+            </a:pPr>
+            <a:r>
+              <a:rPr/>
+              <a:t>Frecuencia</a:t>
+            </a:r>
+            <a:r>
+              <a:rPr/>
+              <a:t> </a:t>
+            </a:r>
+            <a:r>
+              <a:rPr/>
+              <a:t>de</a:t>
+            </a:r>
+            <a:r>
+              <a:rPr/>
+              <a:t> </a:t>
+            </a:r>
+            <a:r>
+              <a:rPr/>
+              <a:t>nacionalidad</a:t>
+            </a:r>
+            <a:r>
+              <a:rPr/>
+              <a:t> </a:t>
+            </a:r>
+            <a:r>
+              <a:rPr/>
+              <a:t>de</a:t>
+            </a:r>
+            <a:r>
+              <a:rPr/>
+              <a:t> </a:t>
+            </a:r>
+            <a:r>
+              <a:rPr/>
+              <a:t>la</a:t>
+            </a:r>
+            <a:r>
+              <a:rPr/>
+              <a:t> </a:t>
+            </a:r>
+            <a:r>
+              <a:rPr/>
+              <a:t>muetra</a:t>
+            </a:r>
+          </a:p>
+        </p:txBody>
+      </p:sp>
+      <p:sp>
+        <p:nvSpPr>
+          <p:cNvPr id="3" name="Content Placeholder 2"/>
+          <p:cNvSpPr>
+            <a:spLocks noGrp="1"/>
+          </p:cNvSpPr>
+          <p:nvPr>
+            <p:ph idx="1"/>
+          </p:nvPr>
+        </p:nvSpPr>
+        <p:spPr/>
+        <p:txBody>
+          <a:bodyPr/>
+          <a:lstStyle/>
+          <a:p>
+            <a:pPr lvl="0" indent="0">
+              <a:buNone/>
+            </a:pPr>
+            <a:r>
+              <a:rPr>
+                <a:latin typeface="Courier"/>
+              </a:rPr>
+              <a:t>muestra </a:t>
+            </a:r>
+            <a:r>
+              <a:rPr>
+                <a:solidFill>
+                  <a:srgbClr val="4070A0"/>
+                </a:solidFill>
+                <a:latin typeface="Courier"/>
+              </a:rPr>
+              <a:t>%&gt;%</a:t>
+            </a:r>
+            <a:r>
+              <a:rPr>
+                <a:latin typeface="Courier"/>
+              </a:rPr>
+              <a:t> </a:t>
+            </a:r>
+            <a:br/>
+            <a:r>
+              <a:rPr>
+                <a:latin typeface="Courier"/>
+              </a:rPr>
+              <a:t>  </a:t>
+            </a:r>
+            <a:r>
+              <a:rPr>
+                <a:solidFill>
+                  <a:srgbClr val="06287E"/>
+                </a:solidFill>
+                <a:latin typeface="Courier"/>
+              </a:rPr>
+              <a:t>group_by</a:t>
+            </a:r>
+            <a:r>
+              <a:rPr>
+                <a:latin typeface="Courier"/>
+              </a:rPr>
+              <a:t>(Nationality) </a:t>
+            </a:r>
+            <a:r>
+              <a:rPr>
+                <a:solidFill>
+                  <a:srgbClr val="4070A0"/>
+                </a:solidFill>
+                <a:latin typeface="Courier"/>
+              </a:rPr>
+              <a:t>%&gt;%</a:t>
+            </a:r>
+            <a:br/>
+            <a:r>
+              <a:rPr>
+                <a:latin typeface="Courier"/>
+              </a:rPr>
+              <a:t>  count </a:t>
+            </a:r>
+            <a:r>
+              <a:rPr>
+                <a:solidFill>
+                  <a:srgbClr val="4070A0"/>
+                </a:solidFill>
+                <a:latin typeface="Courier"/>
+              </a:rPr>
+              <a:t>%&gt;%</a:t>
+            </a:r>
+            <a:br/>
+            <a:r>
+              <a:rPr>
+                <a:latin typeface="Courier"/>
+              </a:rPr>
+              <a:t>  </a:t>
+            </a:r>
+            <a:r>
+              <a:rPr>
+                <a:solidFill>
+                  <a:srgbClr val="06287E"/>
+                </a:solidFill>
+                <a:latin typeface="Courier"/>
+              </a:rPr>
+              <a:t>filter</a:t>
+            </a:r>
+            <a:r>
+              <a:rPr>
+                <a:latin typeface="Courier"/>
+              </a:rPr>
+              <a:t>(n </a:t>
+            </a:r>
+            <a:r>
+              <a:rPr>
+                <a:solidFill>
+                  <a:srgbClr val="4070A0"/>
+                </a:solidFill>
+                <a:latin typeface="Courier"/>
+              </a:rPr>
+              <a:t>&gt;=</a:t>
+            </a:r>
+            <a:r>
+              <a:rPr>
+                <a:solidFill>
+                  <a:srgbClr val="40A070"/>
+                </a:solidFill>
+                <a:latin typeface="Courier"/>
+              </a:rPr>
+              <a:t>20</a:t>
+            </a:r>
+            <a:r>
+              <a:rPr>
+                <a:latin typeface="Courier"/>
+              </a:rPr>
+              <a:t>) </a:t>
+            </a:r>
+            <a:r>
+              <a:rPr>
+                <a:solidFill>
+                  <a:srgbClr val="4070A0"/>
+                </a:solidFill>
+                <a:latin typeface="Courier"/>
+              </a:rPr>
+              <a:t>%&gt;%</a:t>
+            </a:r>
+            <a:br/>
+            <a:r>
+              <a:rPr>
+                <a:latin typeface="Courier"/>
+              </a:rPr>
+              <a:t>  </a:t>
+            </a:r>
+            <a:r>
+              <a:rPr>
+                <a:solidFill>
+                  <a:srgbClr val="06287E"/>
+                </a:solidFill>
+                <a:latin typeface="Courier"/>
+              </a:rPr>
+              <a:t>ggplot</a:t>
+            </a:r>
+            <a:r>
+              <a:rPr>
+                <a:latin typeface="Courier"/>
+              </a:rPr>
+              <a:t>(</a:t>
+            </a:r>
+            <a:r>
+              <a:rPr>
+                <a:solidFill>
+                  <a:srgbClr val="06287E"/>
+                </a:solidFill>
+                <a:latin typeface="Courier"/>
+              </a:rPr>
+              <a:t>aes</a:t>
+            </a:r>
+            <a:r>
+              <a:rPr>
+                <a:latin typeface="Courier"/>
+              </a:rPr>
+              <a:t>(</a:t>
+            </a:r>
+            <a:r>
+              <a:rPr>
+                <a:solidFill>
+                  <a:srgbClr val="7D9029"/>
+                </a:solidFill>
+                <a:latin typeface="Courier"/>
+              </a:rPr>
+              <a:t>x =</a:t>
+            </a:r>
+            <a:r>
+              <a:rPr>
+                <a:latin typeface="Courier"/>
+              </a:rPr>
+              <a:t> Nationality, </a:t>
+            </a:r>
+            <a:r>
+              <a:rPr>
+                <a:solidFill>
+                  <a:srgbClr val="7D9029"/>
+                </a:solidFill>
+                <a:latin typeface="Courier"/>
+              </a:rPr>
+              <a:t>y =</a:t>
+            </a:r>
+            <a:r>
+              <a:rPr>
+                <a:latin typeface="Courier"/>
+              </a:rPr>
+              <a:t> n)) </a:t>
+            </a:r>
+            <a:r>
+              <a:rPr>
+                <a:solidFill>
+                  <a:srgbClr val="4070A0"/>
+                </a:solidFill>
+                <a:latin typeface="Courier"/>
+              </a:rPr>
+              <a:t>+</a:t>
+            </a:r>
+            <a:r>
+              <a:rPr>
+                <a:latin typeface="Courier"/>
+              </a:rPr>
+              <a:t> </a:t>
+            </a:r>
+            <a:br/>
+            <a:r>
+              <a:rPr>
+                <a:latin typeface="Courier"/>
+              </a:rPr>
+              <a:t>  </a:t>
+            </a:r>
+            <a:r>
+              <a:rPr>
+                <a:solidFill>
+                  <a:srgbClr val="06287E"/>
+                </a:solidFill>
+                <a:latin typeface="Courier"/>
+              </a:rPr>
+              <a:t>geom_bar</a:t>
+            </a:r>
+            <a:r>
+              <a:rPr>
+                <a:latin typeface="Courier"/>
+              </a:rPr>
+              <a:t>(</a:t>
+            </a:r>
+            <a:r>
+              <a:rPr>
+                <a:solidFill>
+                  <a:srgbClr val="7D9029"/>
+                </a:solidFill>
+                <a:latin typeface="Courier"/>
+              </a:rPr>
+              <a:t>stat =</a:t>
+            </a:r>
+            <a:r>
+              <a:rPr>
+                <a:latin typeface="Courier"/>
+              </a:rPr>
+              <a:t> </a:t>
+            </a:r>
+            <a:r>
+              <a:rPr>
+                <a:solidFill>
+                  <a:srgbClr val="4070A0"/>
+                </a:solidFill>
+                <a:latin typeface="Courier"/>
+              </a:rPr>
+              <a:t>"identity"</a:t>
+            </a:r>
+            <a:r>
+              <a:rPr>
+                <a:latin typeface="Courier"/>
+              </a:rPr>
+              <a:t>)</a:t>
+            </a:r>
+          </a:p>
+        </p:txBody>
+      </p:sp>
+    </p:spTree>
+  </p:cSld>
+</p:sld>
+</file>
+
+<file path=ppt/slides/slide19.xml><?xml version="1.0" encoding="utf-8"?>
+<p:sld xmlns:a="http://schemas.openxmlformats.org/drawingml/2006/main" xmlns:r="http://schemas.openxmlformats.org/officeDocument/2006/relationships" xmlns:p="http://schemas.openxmlformats.org/presentationml/2006/main">
+  <p:cSld>
+    <p:spTree>
+      <p:nvGrpSpPr>
+        <p:cNvPr id="1" name=""/>
+        <p:cNvGrpSpPr/>
+        <p:nvPr/>
+      </p:nvGrpSpPr>
+      <p:grpSpPr>
+        <a:xfrm>
+          <a:off x="0" y="0"/>
+          <a:ext cx="0" cy="0"/>
+          <a:chOff x="0" y="0"/>
+          <a:chExt cx="0" cy="0"/>
+        </a:xfrm>
+      </p:grpSpPr>
+      <p:pic>
+        <p:nvPicPr>
+          <p:cNvPr descr="poblacion-y-muestra_files/figure-pptx/unnamed-chunk-15-1.png" id="0" name="Picture 1"/>
+          <p:cNvPicPr>
+            <a:picLocks noGrp="1" noChangeAspect="1"/>
+          </p:cNvPicPr>
+          <p:nvPr/>
+        </p:nvPicPr>
+        <p:blipFill>
+          <a:blip r:embed="rId2"/>
+          <a:stretch>
+            <a:fillRect/>
+          </a:stretch>
+        </p:blipFill>
+        <p:spPr bwMode="auto">
+          <a:xfrm>
+            <a:off x="1752600" y="1600200"/>
+            <a:ext cx="5651500" cy="4521200"/>
+          </a:xfrm>
+          <a:prstGeom prst="rect">
+            <a:avLst/>
+          </a:prstGeom>
+          <a:noFill/>
+          <a:ln w="9525">
+            <a:noFill/>
+            <a:headEnd/>
+            <a:tailEnd/>
+          </a:ln>
+        </p:spPr>
+      </p:pic>
+    </p:spTree>
+  </p:cSld>
+</p:sld>
+</file>
+
 <file path=ppt/slides/slide2.xml><?xml version="1.0" encoding="utf-8"?>
 <p:sld xmlns:a="http://schemas.openxmlformats.org/drawingml/2006/main" xmlns:r="http://schemas.openxmlformats.org/officeDocument/2006/relationships" xmlns:p="http://schemas.openxmlformats.org/presentationml/2006/main">
   <p:cSld>
@@ -4574,6 +5432,60 @@
                 <a:latin typeface="Courier"/>
               </a:rPr>
               <a:t>(ggplot2)</a:t>
+            </a:r>
+            <a:br/>
+            <a:r>
+              <a:rPr>
+                <a:solidFill>
+                  <a:srgbClr val="06287E"/>
+                </a:solidFill>
+                <a:latin typeface="Courier"/>
+              </a:rPr>
+              <a:t>library</a:t>
+            </a:r>
+            <a:r>
+              <a:rPr>
+                <a:latin typeface="Courier"/>
+              </a:rPr>
+              <a:t>(dplyr)</a:t>
+            </a:r>
+          </a:p>
+          <a:p>
+            <a:pPr lvl="0" indent="0">
+              <a:buNone/>
+            </a:pPr>
+            <a:r>
+              <a:rPr>
+                <a:latin typeface="Courier"/>
+              </a:rPr>
+              <a:t>## 
+## Attaching package: 'dplyr'</a:t>
+            </a:r>
+          </a:p>
+          <a:p>
+            <a:pPr lvl="0" indent="0">
+              <a:buNone/>
+            </a:pPr>
+            <a:r>
+              <a:rPr>
+                <a:latin typeface="Courier"/>
+              </a:rPr>
+              <a:t>## The following objects are masked from 'package:stats':
+## 
+##     filter, lag</a:t>
+            </a:r>
+          </a:p>
+          <a:p>
+            <a:pPr lvl="0" indent="0">
+              <a:buNone/>
+            </a:pPr>
+            <a:r>
+              <a:rPr>
+                <a:latin typeface="Courier"/>
+              </a:rPr>
+              <a:t>## The following objects are masked from 'package:base':
+## 
+##     intersect, setdiff, setequal, union</a:t>
             </a:r>
           </a:p>
         </p:txBody>
